--- a/20220702/動的計画法入門.pptx
+++ b/20220702/動的計画法入門.pptx
@@ -124,6 +124,11 @@
       </a:defRPr>
     </a:lvl9pPr>
   </p:defaultTextStyle>
+  <p:extLst>
+    <p:ext uri="{EFAFB233-063F-42B5-8137-9DF3F51BA10A}">
+      <p15:sldGuideLst xmlns:p15="http://schemas.microsoft.com/office/powerpoint/2012/main"/>
+    </p:ext>
+  </p:extLst>
 </p:presentation>
 </file>
 
@@ -4179,8 +4184,8 @@
           </a:p>
         </p:txBody>
       </p:sp>
-      <mc:AlternateContent xmlns:mc="http://schemas.openxmlformats.org/markup-compatibility/2006">
-        <mc:Choice xmlns:a14="http://schemas.microsoft.com/office/drawing/2010/main" Requires="a14">
+      <mc:AlternateContent xmlns:mc="http://schemas.openxmlformats.org/markup-compatibility/2006" xmlns:a14="http://schemas.microsoft.com/office/drawing/2010/main">
+        <mc:Choice Requires="a14">
           <p:sp>
             <p:nvSpPr>
               <p:cNvPr id="3" name="コンテンツ プレースホルダー 2">
@@ -4285,7 +4290,7 @@
             </p:txBody>
           </p:sp>
         </mc:Choice>
-        <mc:Fallback>
+        <mc:Fallback xmlns="">
           <p:sp>
             <p:nvSpPr>
               <p:cNvPr id="3" name="コンテンツ プレースホルダー 2">
@@ -5088,8 +5093,8 @@
           </a:p>
         </p:txBody>
       </p:sp>
-      <mc:AlternateContent xmlns:mc="http://schemas.openxmlformats.org/markup-compatibility/2006">
-        <mc:Choice xmlns:a14="http://schemas.microsoft.com/office/drawing/2010/main" Requires="a14">
+      <mc:AlternateContent xmlns:mc="http://schemas.openxmlformats.org/markup-compatibility/2006" xmlns:a14="http://schemas.microsoft.com/office/drawing/2010/main">
+        <mc:Choice Requires="a14">
           <p:sp>
             <p:nvSpPr>
               <p:cNvPr id="3" name="コンテンツ プレースホルダー 2">
@@ -5387,7 +5392,7 @@
             </p:txBody>
           </p:sp>
         </mc:Choice>
-        <mc:Fallback>
+        <mc:Fallback xmlns="">
           <p:sp>
             <p:nvSpPr>
               <p:cNvPr id="3" name="コンテンツ プレースホルダー 2">
@@ -8168,27 +8173,35 @@
               <a:t> </a:t>
             </a:r>
             <a:r>
-              <a:rPr lang="en-US" altLang="ja-JP" dirty="0"/>
+              <a:rPr lang="en-US" altLang="ja-JP" dirty="0">
+                <a:hlinkClick r:id="rId2"/>
+              </a:rPr>
               <a:t>EDPC A - Frog</a:t>
             </a:r>
             <a:r>
-              <a:rPr lang="ja-JP" altLang="en-US" dirty="0"/>
+              <a:rPr lang="ja-JP" altLang="en-US" dirty="0">
+                <a:hlinkClick r:id="rId2"/>
+              </a:rPr>
               <a:t> </a:t>
             </a:r>
             <a:r>
-              <a:rPr lang="en-US" altLang="ja-JP" dirty="0"/>
+              <a:rPr lang="en-US" altLang="ja-JP" dirty="0">
+                <a:hlinkClick r:id="rId2"/>
+              </a:rPr>
               <a:t>1</a:t>
             </a:r>
             <a:r>
-              <a:rPr kumimoji="1" lang="en-US" altLang="ja-JP" dirty="0"/>
+              <a:rPr kumimoji="1" lang="en-US" altLang="ja-JP" dirty="0">
+                <a:hlinkClick r:id="rId2"/>
+              </a:rPr>
               <a:t> </a:t>
             </a:r>
             <a:endParaRPr kumimoji="1" lang="ja-JP" altLang="en-US" dirty="0"/>
           </a:p>
         </p:txBody>
       </p:sp>
-      <mc:AlternateContent xmlns:mc="http://schemas.openxmlformats.org/markup-compatibility/2006">
-        <mc:Choice xmlns:a14="http://schemas.microsoft.com/office/drawing/2010/main" Requires="a14">
+      <mc:AlternateContent xmlns:mc="http://schemas.openxmlformats.org/markup-compatibility/2006" xmlns:a14="http://schemas.microsoft.com/office/drawing/2010/main">
+        <mc:Choice Requires="a14">
           <p:sp>
             <p:nvSpPr>
               <p:cNvPr id="3" name="コンテンツ プレースホルダー 2">
@@ -8790,7 +8803,7 @@
             </p:txBody>
           </p:sp>
         </mc:Choice>
-        <mc:Fallback>
+        <mc:Fallback xmlns="">
           <p:sp>
             <p:nvSpPr>
               <p:cNvPr id="3" name="コンテンツ プレースホルダー 2">
@@ -8809,7 +8822,7 @@
             </p:nvSpPr>
             <p:spPr>
               <a:blipFill>
-                <a:blip r:embed="rId2"/>
+                <a:blip r:embed="rId3"/>
                 <a:stretch>
                   <a:fillRect l="-1217" t="-2241"/>
                 </a:stretch>
@@ -9199,8 +9212,8 @@
           </a:p>
         </p:txBody>
       </p:sp>
-      <mc:AlternateContent xmlns:mc="http://schemas.openxmlformats.org/markup-compatibility/2006">
-        <mc:Choice xmlns:a14="http://schemas.microsoft.com/office/drawing/2010/main" Requires="a14">
+      <mc:AlternateContent xmlns:mc="http://schemas.openxmlformats.org/markup-compatibility/2006" xmlns:a14="http://schemas.microsoft.com/office/drawing/2010/main">
+        <mc:Choice Requires="a14">
           <p:sp>
             <p:nvSpPr>
               <p:cNvPr id="3" name="コンテンツ プレースホルダー 2">
@@ -9319,7 +9332,7 @@
             </p:txBody>
           </p:sp>
         </mc:Choice>
-        <mc:Fallback>
+        <mc:Fallback xmlns="">
           <p:sp>
             <p:nvSpPr>
               <p:cNvPr id="3" name="コンテンツ プレースホルダー 2">
@@ -9910,8 +9923,8 @@
           </a:p>
         </p:txBody>
       </p:sp>
-      <mc:AlternateContent xmlns:mc="http://schemas.openxmlformats.org/markup-compatibility/2006">
-        <mc:Choice xmlns:a14="http://schemas.microsoft.com/office/drawing/2010/main" Requires="a14">
+      <mc:AlternateContent xmlns:mc="http://schemas.openxmlformats.org/markup-compatibility/2006" xmlns:a14="http://schemas.microsoft.com/office/drawing/2010/main">
+        <mc:Choice Requires="a14">
           <p:sp>
             <p:nvSpPr>
               <p:cNvPr id="4" name="四角形: 角を丸くする 3">
@@ -10427,7 +10440,7 @@
             </p:txBody>
           </p:sp>
         </mc:Choice>
-        <mc:Fallback>
+        <mc:Fallback xmlns="">
           <p:sp>
             <p:nvSpPr>
               <p:cNvPr id="4" name="四角形: 角を丸くする 3">
@@ -11836,8 +11849,8 @@
           </a:p>
         </p:txBody>
       </p:sp>
-      <mc:AlternateContent xmlns:mc="http://schemas.openxmlformats.org/markup-compatibility/2006">
-        <mc:Choice xmlns:a14="http://schemas.microsoft.com/office/drawing/2010/main" Requires="a14">
+      <mc:AlternateContent xmlns:mc="http://schemas.openxmlformats.org/markup-compatibility/2006" xmlns:a14="http://schemas.microsoft.com/office/drawing/2010/main">
+        <mc:Choice Requires="a14">
           <p:sp>
             <p:nvSpPr>
               <p:cNvPr id="3" name="コンテンツ プレースホルダー 2">
@@ -11955,7 +11968,7 @@
             </p:txBody>
           </p:sp>
         </mc:Choice>
-        <mc:Fallback>
+        <mc:Fallback xmlns="">
           <p:sp>
             <p:nvSpPr>
               <p:cNvPr id="3" name="コンテンツ プレースホルダー 2">
@@ -14921,12 +14934,6 @@
                                     </m:ctrlPr>
                                   </m:fPr>
                                   <m:num>
-                                    <m:r>
-                                      <a:rPr lang="en-US" altLang="ja-JP" i="1">
-                                        <a:latin typeface="Cambria Math" panose="02040503050406030204" pitchFamily="18" charset="0"/>
-                                      </a:rPr>
-                                      <m:t>1−</m:t>
-                                    </m:r>
                                     <m:rad>
                                       <m:radPr>
                                         <m:degHide m:val="on"/>
@@ -14946,6 +14953,12 @@
                                         </m:r>
                                       </m:e>
                                     </m:rad>
+                                    <m:r>
+                                      <a:rPr lang="en-US" altLang="ja-JP" b="0" i="1" smtClean="0">
+                                        <a:latin typeface="Cambria Math" panose="02040503050406030204" pitchFamily="18" charset="0"/>
+                                      </a:rPr>
+                                      <m:t>+1</m:t>
+                                    </m:r>
                                   </m:num>
                                   <m:den>
                                     <m:r>
@@ -15167,8 +15180,8 @@
           </a:p>
         </p:txBody>
       </p:sp>
-      <mc:AlternateContent xmlns:mc="http://schemas.openxmlformats.org/markup-compatibility/2006">
-        <mc:Choice xmlns:a14="http://schemas.microsoft.com/office/drawing/2010/main" Requires="a14">
+      <mc:AlternateContent xmlns:mc="http://schemas.openxmlformats.org/markup-compatibility/2006" xmlns:a14="http://schemas.microsoft.com/office/drawing/2010/main">
+        <mc:Choice Requires="a14">
           <p:sp>
             <p:nvSpPr>
               <p:cNvPr id="3" name="コンテンツ プレースホルダー 2">
@@ -15295,7 +15308,7 @@
             </p:txBody>
           </p:sp>
         </mc:Choice>
-        <mc:Fallback>
+        <mc:Fallback xmlns="">
           <p:sp>
             <p:nvSpPr>
               <p:cNvPr id="3" name="コンテンツ プレースホルダー 2">
@@ -19821,8 +19834,8 @@
           </a:p>
         </p:txBody>
       </p:sp>
-      <mc:AlternateContent xmlns:mc="http://schemas.openxmlformats.org/markup-compatibility/2006">
-        <mc:Choice xmlns:a14="http://schemas.microsoft.com/office/drawing/2010/main" Requires="a14">
+      <mc:AlternateContent xmlns:mc="http://schemas.openxmlformats.org/markup-compatibility/2006" xmlns:a14="http://schemas.microsoft.com/office/drawing/2010/main">
+        <mc:Choice Requires="a14">
           <p:sp>
             <p:nvSpPr>
               <p:cNvPr id="3" name="コンテンツ プレースホルダー 2">
@@ -19935,7 +19948,7 @@
             </p:txBody>
           </p:sp>
         </mc:Choice>
-        <mc:Fallback>
+        <mc:Fallback xmlns="">
           <p:sp>
             <p:nvSpPr>
               <p:cNvPr id="3" name="コンテンツ プレースホルダー 2">

--- a/20220702/動的計画法入門.pptx
+++ b/20220702/動的計画法入門.pptx
@@ -9193,19 +9193,27 @@
               <a:t> </a:t>
             </a:r>
             <a:r>
-              <a:rPr lang="en-US" altLang="ja-JP" dirty="0"/>
+              <a:rPr lang="en-US" altLang="ja-JP" dirty="0">
+                <a:hlinkClick r:id="rId2"/>
+              </a:rPr>
               <a:t>EDPC A - Frog</a:t>
             </a:r>
             <a:r>
-              <a:rPr lang="ja-JP" altLang="en-US" dirty="0"/>
+              <a:rPr lang="ja-JP" altLang="en-US" dirty="0">
+                <a:hlinkClick r:id="rId2"/>
+              </a:rPr>
               <a:t> </a:t>
             </a:r>
             <a:r>
-              <a:rPr lang="en-US" altLang="ja-JP" dirty="0"/>
+              <a:rPr lang="en-US" altLang="ja-JP" dirty="0">
+                <a:hlinkClick r:id="rId2"/>
+              </a:rPr>
               <a:t>1</a:t>
             </a:r>
             <a:r>
-              <a:rPr kumimoji="1" lang="en-US" altLang="ja-JP" dirty="0"/>
+              <a:rPr kumimoji="1" lang="en-US" altLang="ja-JP" dirty="0">
+                <a:hlinkClick r:id="rId2"/>
+              </a:rPr>
               <a:t> </a:t>
             </a:r>
             <a:endParaRPr kumimoji="1" lang="ja-JP" altLang="en-US" dirty="0"/>
@@ -9351,7 +9359,7 @@
             </p:nvSpPr>
             <p:spPr>
               <a:blipFill>
-                <a:blip r:embed="rId2"/>
+                <a:blip r:embed="rId3"/>
                 <a:stretch>
                   <a:fillRect l="-1217" t="-2241"/>
                 </a:stretch>
@@ -14743,8 +14751,8 @@
           </a:p>
         </p:txBody>
       </p:sp>
-      <mc:AlternateContent xmlns:mc="http://schemas.openxmlformats.org/markup-compatibility/2006">
-        <mc:Choice xmlns:a14="http://schemas.microsoft.com/office/drawing/2010/main" Requires="a14">
+      <mc:AlternateContent xmlns:mc="http://schemas.openxmlformats.org/markup-compatibility/2006" xmlns:a14="http://schemas.microsoft.com/office/drawing/2010/main">
+        <mc:Choice Requires="a14">
           <p:sp>
             <p:nvSpPr>
               <p:cNvPr id="3" name="コンテンツ プレースホルダー 2">
@@ -15053,7 +15061,7 @@
             </p:txBody>
           </p:sp>
         </mc:Choice>
-        <mc:Fallback>
+        <mc:Fallback xmlns="">
           <p:sp>
             <p:nvSpPr>
               <p:cNvPr id="3" name="コンテンツ プレースホルダー 2">
